--- a/Docs/Progress presentation 30.11.21.pptx
+++ b/Docs/Progress presentation 30.11.21.pptx
@@ -5,20 +5,19 @@
     <p:sldMasterId id="2147483648" r:id="rId1"/>
   </p:sldMasterIdLst>
   <p:notesMasterIdLst>
-    <p:notesMasterId r:id="rId10"/>
+    <p:notesMasterId r:id="rId9"/>
   </p:notesMasterIdLst>
   <p:handoutMasterIdLst>
-    <p:handoutMasterId r:id="rId11"/>
+    <p:handoutMasterId r:id="rId10"/>
   </p:handoutMasterIdLst>
   <p:sldIdLst>
-    <p:sldId id="267" r:id="rId2"/>
-    <p:sldId id="271" r:id="rId3"/>
-    <p:sldId id="259" r:id="rId4"/>
-    <p:sldId id="265" r:id="rId5"/>
-    <p:sldId id="266" r:id="rId6"/>
-    <p:sldId id="268" r:id="rId7"/>
-    <p:sldId id="269" r:id="rId8"/>
-    <p:sldId id="270" r:id="rId9"/>
+    <p:sldId id="271" r:id="rId2"/>
+    <p:sldId id="259" r:id="rId3"/>
+    <p:sldId id="265" r:id="rId4"/>
+    <p:sldId id="266" r:id="rId5"/>
+    <p:sldId id="268" r:id="rId6"/>
+    <p:sldId id="269" r:id="rId7"/>
+    <p:sldId id="270" r:id="rId8"/>
   </p:sldIdLst>
   <p:sldSz cx="12192000" cy="6858000"/>
   <p:notesSz cx="6858000" cy="9144000"/>
@@ -120,6 +119,9 @@
   <p:extLst>
     <p:ext uri="{EFAFB233-063F-42B5-8137-9DF3F51BA10A}">
       <p15:sldGuideLst xmlns:p15="http://schemas.microsoft.com/office/powerpoint/2012/main"/>
+    </p:ext>
+    <p:ext uri="{2D200454-40CA-4A62-9FC3-DE9A4176ACB9}">
+      <p15:notesGuideLst xmlns:p15="http://schemas.microsoft.com/office/powerpoint/2012/main"/>
     </p:ext>
   </p:extLst>
 </p:presentation>
@@ -729,7 +731,7 @@
           <a:p>
             <a:fld id="{5272BBD6-653A-4D3C-908E-34CF3C604A1A}" type="slidenum">
               <a:rPr lang="en-IL" smtClean="0"/>
-              <a:t>7</a:t>
+              <a:t>6</a:t>
             </a:fld>
             <a:endParaRPr lang="en-IL"/>
           </a:p>
@@ -4083,566 +4085,6 @@
 <file path=ppt/slides/slide1.xml><?xml version="1.0" encoding="utf-8"?>
 <p:sld xmlns:a="http://schemas.openxmlformats.org/drawingml/2006/main" xmlns:r="http://schemas.openxmlformats.org/officeDocument/2006/relationships" xmlns:p="http://schemas.openxmlformats.org/presentationml/2006/main">
   <p:cSld>
-    <p:bg>
-      <p:bgPr>
-        <a:solidFill>
-          <a:schemeClr val="bg1"/>
-        </a:solidFill>
-        <a:effectLst/>
-      </p:bgPr>
-    </p:bg>
-    <p:spTree>
-      <p:nvGrpSpPr>
-        <p:cNvPr id="1" name=""/>
-        <p:cNvGrpSpPr/>
-        <p:nvPr/>
-      </p:nvGrpSpPr>
-      <p:grpSpPr>
-        <a:xfrm>
-          <a:off x="0" y="0"/>
-          <a:ext cx="0" cy="0"/>
-          <a:chOff x="0" y="0"/>
-          <a:chExt cx="0" cy="0"/>
-        </a:xfrm>
-      </p:grpSpPr>
-      <p:sp useBgFill="1">
-        <p:nvSpPr>
-          <p:cNvPr id="26" name="Rectangle 25">
-            <a:extLst>
-              <a:ext uri="{FF2B5EF4-FFF2-40B4-BE49-F238E27FC236}">
-                <a16:creationId xmlns:a16="http://schemas.microsoft.com/office/drawing/2014/main" id="{9B7AD9F6-8CE7-4299-8FC6-328F4DCD3FF9}"/>
-              </a:ext>
-              <a:ext uri="{C183D7F6-B498-43B3-948B-1728B52AA6E4}">
-                <adec:decorative xmlns:adec="http://schemas.microsoft.com/office/drawing/2017/decorative" val="1"/>
-              </a:ext>
-            </a:extLst>
-          </p:cNvPr>
-          <p:cNvSpPr>
-            <a:spLocks noGrp="1" noRot="1" noChangeAspect="1" noMove="1" noResize="1" noEditPoints="1" noAdjustHandles="1" noChangeArrowheads="1" noChangeShapeType="1" noTextEdit="1"/>
-          </p:cNvSpPr>
-          <p:nvPr>
-            <p:extLst>
-              <p:ext uri="{386F3935-93C4-4BCD-93E2-E3B085C9AB24}">
-                <p16:designElem xmlns:p16="http://schemas.microsoft.com/office/powerpoint/2015/main" val="1"/>
-              </p:ext>
-            </p:extLst>
-          </p:nvPr>
-        </p:nvSpPr>
-        <p:spPr>
-          <a:xfrm>
-            <a:off x="0" y="0"/>
-            <a:ext cx="12188952" cy="6858000"/>
-          </a:xfrm>
-          <a:prstGeom prst="rect">
-            <a:avLst/>
-          </a:prstGeom>
-          <a:ln>
-            <a:noFill/>
-          </a:ln>
-        </p:spPr>
-        <p:style>
-          <a:lnRef idx="2">
-            <a:schemeClr val="accent1">
-              <a:shade val="50000"/>
-            </a:schemeClr>
-          </a:lnRef>
-          <a:fillRef idx="1">
-            <a:schemeClr val="accent1"/>
-          </a:fillRef>
-          <a:effectRef idx="0">
-            <a:schemeClr val="accent1"/>
-          </a:effectRef>
-          <a:fontRef idx="minor">
-            <a:schemeClr val="lt1"/>
-          </a:fontRef>
-        </p:style>
-        <p:txBody>
-          <a:bodyPr rtlCol="0" anchor="ctr"/>
-          <a:lstStyle/>
-          <a:p>
-            <a:pPr algn="ctr"/>
-            <a:endParaRPr lang="en-US"/>
-          </a:p>
-        </p:txBody>
-      </p:sp>
-      <p:sp>
-        <p:nvSpPr>
-          <p:cNvPr id="4" name="Title 1">
-            <a:extLst>
-              <a:ext uri="{FF2B5EF4-FFF2-40B4-BE49-F238E27FC236}">
-                <a16:creationId xmlns:a16="http://schemas.microsoft.com/office/drawing/2014/main" id="{9387EFFB-3FEE-4204-8808-0B03B0407966}"/>
-              </a:ext>
-            </a:extLst>
-          </p:cNvPr>
-          <p:cNvSpPr>
-            <a:spLocks noGrp="1"/>
-          </p:cNvSpPr>
-          <p:nvPr>
-            <p:ph type="title"/>
-          </p:nvPr>
-        </p:nvSpPr>
-        <p:spPr>
-          <a:xfrm>
-            <a:off x="476251" y="948992"/>
-            <a:ext cx="11372850" cy="1354217"/>
-          </a:xfrm>
-        </p:spPr>
-        <p:txBody>
-          <a:bodyPr vert="horz" lIns="91440" tIns="45720" rIns="91440" bIns="45720" numCol="2" rtlCol="0" anchor="b">
-            <a:normAutofit/>
-          </a:bodyPr>
-          <a:lstStyle/>
-          <a:p>
-            <a:r>
-              <a:rPr lang="en-US" sz="3200" b="1" dirty="0">
-                <a:latin typeface="+mn-lt"/>
-                <a:ea typeface="+mn-ea"/>
-                <a:cs typeface="+mn-cs"/>
-              </a:rPr>
-              <a:t>Progress Representation:</a:t>
-            </a:r>
-            <a:br>
-              <a:rPr lang="en-US" sz="4800" b="1" dirty="0"/>
-            </a:br>
-            <a:br>
-              <a:rPr lang="en-US" sz="4800" b="1" dirty="0"/>
-            </a:br>
-            <a:endParaRPr lang="en-US" sz="4800" b="1" dirty="0"/>
-          </a:p>
-        </p:txBody>
-      </p:sp>
-      <p:sp>
-        <p:nvSpPr>
-          <p:cNvPr id="21" name="TextBox 20">
-            <a:extLst>
-              <a:ext uri="{FF2B5EF4-FFF2-40B4-BE49-F238E27FC236}">
-                <a16:creationId xmlns:a16="http://schemas.microsoft.com/office/drawing/2014/main" id="{A244529B-6518-4A21-A7C3-78AA0C97B028}"/>
-              </a:ext>
-            </a:extLst>
-          </p:cNvPr>
-          <p:cNvSpPr txBox="1"/>
-          <p:nvPr/>
-        </p:nvSpPr>
-        <p:spPr>
-          <a:xfrm>
-            <a:off x="561975" y="2143124"/>
-            <a:ext cx="11372850" cy="1504389"/>
-          </a:xfrm>
-          <a:prstGeom prst="rect">
-            <a:avLst/>
-          </a:prstGeom>
-        </p:spPr>
-        <p:txBody>
-          <a:bodyPr vert="horz" lIns="91440" tIns="45720" rIns="91440" bIns="45720" rtlCol="0">
-            <a:normAutofit/>
-          </a:bodyPr>
-          <a:lstStyle/>
-          <a:p>
-            <a:pPr>
-              <a:lnSpc>
-                <a:spcPct val="90000"/>
-              </a:lnSpc>
-              <a:spcBef>
-                <a:spcPts val="1000"/>
-              </a:spcBef>
-            </a:pPr>
-            <a:r>
-              <a:rPr lang="en-US" sz="4000" b="1" dirty="0"/>
-              <a:t>Recommendation System for Advertising Campaigns</a:t>
-            </a:r>
-          </a:p>
-        </p:txBody>
-      </p:sp>
-      <p:sp>
-        <p:nvSpPr>
-          <p:cNvPr id="28" name="sketchy line">
-            <a:extLst>
-              <a:ext uri="{FF2B5EF4-FFF2-40B4-BE49-F238E27FC236}">
-                <a16:creationId xmlns:a16="http://schemas.microsoft.com/office/drawing/2014/main" id="{F49775AF-8896-43EE-92C6-83497D6DC56F}"/>
-              </a:ext>
-              <a:ext uri="{C183D7F6-B498-43B3-948B-1728B52AA6E4}">
-                <adec:decorative xmlns:adec="http://schemas.microsoft.com/office/drawing/2017/decorative" val="1"/>
-              </a:ext>
-            </a:extLst>
-          </p:cNvPr>
-          <p:cNvSpPr>
-            <a:spLocks noGrp="1" noRot="1" noChangeAspect="1" noMove="1" noResize="1" noEditPoints="1" noAdjustHandles="1" noChangeArrowheads="1" noChangeShapeType="1" noTextEdit="1"/>
-          </p:cNvSpPr>
-          <p:nvPr>
-            <p:extLst>
-              <p:ext uri="{386F3935-93C4-4BCD-93E2-E3B085C9AB24}">
-                <p16:designElem xmlns:p16="http://schemas.microsoft.com/office/powerpoint/2015/main" val="1"/>
-              </p:ext>
-            </p:extLst>
-          </p:nvPr>
-        </p:nvSpPr>
-        <p:spPr>
-          <a:xfrm>
-            <a:off x="890338" y="4409267"/>
-            <a:ext cx="3474720" cy="18288"/>
-          </a:xfrm>
-          <a:custGeom>
-            <a:avLst/>
-            <a:gdLst>
-              <a:gd name="connsiteX0" fmla="*/ 0 w 3474720"/>
-              <a:gd name="connsiteY0" fmla="*/ 0 h 18288"/>
-              <a:gd name="connsiteX1" fmla="*/ 694944 w 3474720"/>
-              <a:gd name="connsiteY1" fmla="*/ 0 h 18288"/>
-              <a:gd name="connsiteX2" fmla="*/ 1355141 w 3474720"/>
-              <a:gd name="connsiteY2" fmla="*/ 0 h 18288"/>
-              <a:gd name="connsiteX3" fmla="*/ 2015338 w 3474720"/>
-              <a:gd name="connsiteY3" fmla="*/ 0 h 18288"/>
-              <a:gd name="connsiteX4" fmla="*/ 2779776 w 3474720"/>
-              <a:gd name="connsiteY4" fmla="*/ 0 h 18288"/>
-              <a:gd name="connsiteX5" fmla="*/ 3474720 w 3474720"/>
-              <a:gd name="connsiteY5" fmla="*/ 0 h 18288"/>
-              <a:gd name="connsiteX6" fmla="*/ 3474720 w 3474720"/>
-              <a:gd name="connsiteY6" fmla="*/ 18288 h 18288"/>
-              <a:gd name="connsiteX7" fmla="*/ 2779776 w 3474720"/>
-              <a:gd name="connsiteY7" fmla="*/ 18288 h 18288"/>
-              <a:gd name="connsiteX8" fmla="*/ 2189074 w 3474720"/>
-              <a:gd name="connsiteY8" fmla="*/ 18288 h 18288"/>
-              <a:gd name="connsiteX9" fmla="*/ 1528877 w 3474720"/>
-              <a:gd name="connsiteY9" fmla="*/ 18288 h 18288"/>
-              <a:gd name="connsiteX10" fmla="*/ 868680 w 3474720"/>
-              <a:gd name="connsiteY10" fmla="*/ 18288 h 18288"/>
-              <a:gd name="connsiteX11" fmla="*/ 0 w 3474720"/>
-              <a:gd name="connsiteY11" fmla="*/ 18288 h 18288"/>
-              <a:gd name="connsiteX12" fmla="*/ 0 w 3474720"/>
-              <a:gd name="connsiteY12" fmla="*/ 0 h 18288"/>
-            </a:gdLst>
-            <a:ahLst/>
-            <a:cxnLst>
-              <a:cxn ang="0">
-                <a:pos x="connsiteX0" y="connsiteY0"/>
-              </a:cxn>
-              <a:cxn ang="0">
-                <a:pos x="connsiteX1" y="connsiteY1"/>
-              </a:cxn>
-              <a:cxn ang="0">
-                <a:pos x="connsiteX2" y="connsiteY2"/>
-              </a:cxn>
-              <a:cxn ang="0">
-                <a:pos x="connsiteX3" y="connsiteY3"/>
-              </a:cxn>
-              <a:cxn ang="0">
-                <a:pos x="connsiteX4" y="connsiteY4"/>
-              </a:cxn>
-              <a:cxn ang="0">
-                <a:pos x="connsiteX5" y="connsiteY5"/>
-              </a:cxn>
-              <a:cxn ang="0">
-                <a:pos x="connsiteX6" y="connsiteY6"/>
-              </a:cxn>
-              <a:cxn ang="0">
-                <a:pos x="connsiteX7" y="connsiteY7"/>
-              </a:cxn>
-              <a:cxn ang="0">
-                <a:pos x="connsiteX8" y="connsiteY8"/>
-              </a:cxn>
-              <a:cxn ang="0">
-                <a:pos x="connsiteX9" y="connsiteY9"/>
-              </a:cxn>
-              <a:cxn ang="0">
-                <a:pos x="connsiteX10" y="connsiteY10"/>
-              </a:cxn>
-              <a:cxn ang="0">
-                <a:pos x="connsiteX11" y="connsiteY11"/>
-              </a:cxn>
-              <a:cxn ang="0">
-                <a:pos x="connsiteX12" y="connsiteY12"/>
-              </a:cxn>
-            </a:cxnLst>
-            <a:rect l="l" t="t" r="r" b="b"/>
-            <a:pathLst>
-              <a:path w="3474720" h="18288" fill="none" extrusionOk="0">
-                <a:moveTo>
-                  <a:pt x="0" y="0"/>
-                </a:moveTo>
-                <a:cubicBezTo>
-                  <a:pt x="224454" y="-14544"/>
-                  <a:pt x="495407" y="26540"/>
-                  <a:pt x="694944" y="0"/>
-                </a:cubicBezTo>
-                <a:cubicBezTo>
-                  <a:pt x="894481" y="-26540"/>
-                  <a:pt x="1130063" y="24713"/>
-                  <a:pt x="1355141" y="0"/>
-                </a:cubicBezTo>
-                <a:cubicBezTo>
-                  <a:pt x="1580219" y="-24713"/>
-                  <a:pt x="1820099" y="26695"/>
-                  <a:pt x="2015338" y="0"/>
-                </a:cubicBezTo>
-                <a:cubicBezTo>
-                  <a:pt x="2210577" y="-26695"/>
-                  <a:pt x="2402045" y="165"/>
-                  <a:pt x="2779776" y="0"/>
-                </a:cubicBezTo>
-                <a:cubicBezTo>
-                  <a:pt x="3157507" y="-165"/>
-                  <a:pt x="3286859" y="-15571"/>
-                  <a:pt x="3474720" y="0"/>
-                </a:cubicBezTo>
-                <a:cubicBezTo>
-                  <a:pt x="3474286" y="7551"/>
-                  <a:pt x="3474253" y="9822"/>
-                  <a:pt x="3474720" y="18288"/>
-                </a:cubicBezTo>
-                <a:cubicBezTo>
-                  <a:pt x="3233904" y="29845"/>
-                  <a:pt x="2945134" y="-5256"/>
-                  <a:pt x="2779776" y="18288"/>
-                </a:cubicBezTo>
-                <a:cubicBezTo>
-                  <a:pt x="2614418" y="41832"/>
-                  <a:pt x="2339768" y="22709"/>
-                  <a:pt x="2189074" y="18288"/>
-                </a:cubicBezTo>
-                <a:cubicBezTo>
-                  <a:pt x="2038380" y="13867"/>
-                  <a:pt x="1817434" y="-4947"/>
-                  <a:pt x="1528877" y="18288"/>
-                </a:cubicBezTo>
-                <a:cubicBezTo>
-                  <a:pt x="1240320" y="41523"/>
-                  <a:pt x="1042447" y="37198"/>
-                  <a:pt x="868680" y="18288"/>
-                </a:cubicBezTo>
-                <a:cubicBezTo>
-                  <a:pt x="694913" y="-622"/>
-                  <a:pt x="233232" y="44909"/>
-                  <a:pt x="0" y="18288"/>
-                </a:cubicBezTo>
-                <a:cubicBezTo>
-                  <a:pt x="60" y="11696"/>
-                  <a:pt x="66" y="3758"/>
-                  <a:pt x="0" y="0"/>
-                </a:cubicBezTo>
-                <a:close/>
-              </a:path>
-              <a:path w="3474720" h="18288" stroke="0" extrusionOk="0">
-                <a:moveTo>
-                  <a:pt x="0" y="0"/>
-                </a:moveTo>
-                <a:cubicBezTo>
-                  <a:pt x="202328" y="-14716"/>
-                  <a:pt x="332722" y="-11499"/>
-                  <a:pt x="625450" y="0"/>
-                </a:cubicBezTo>
-                <a:cubicBezTo>
-                  <a:pt x="918178" y="11499"/>
-                  <a:pt x="1096688" y="5123"/>
-                  <a:pt x="1389888" y="0"/>
-                </a:cubicBezTo>
-                <a:cubicBezTo>
-                  <a:pt x="1683088" y="-5123"/>
-                  <a:pt x="1835981" y="-14038"/>
-                  <a:pt x="1980590" y="0"/>
-                </a:cubicBezTo>
-                <a:cubicBezTo>
-                  <a:pt x="2125199" y="14038"/>
-                  <a:pt x="2396099" y="-7203"/>
-                  <a:pt x="2571293" y="0"/>
-                </a:cubicBezTo>
-                <a:cubicBezTo>
-                  <a:pt x="2746487" y="7203"/>
-                  <a:pt x="3041609" y="-12036"/>
-                  <a:pt x="3474720" y="0"/>
-                </a:cubicBezTo>
-                <a:cubicBezTo>
-                  <a:pt x="3474638" y="4406"/>
-                  <a:pt x="3474631" y="9982"/>
-                  <a:pt x="3474720" y="18288"/>
-                </a:cubicBezTo>
-                <a:cubicBezTo>
-                  <a:pt x="3324873" y="21876"/>
-                  <a:pt x="3136771" y="12587"/>
-                  <a:pt x="2814523" y="18288"/>
-                </a:cubicBezTo>
-                <a:cubicBezTo>
-                  <a:pt x="2492275" y="23989"/>
-                  <a:pt x="2294402" y="47111"/>
-                  <a:pt x="2154326" y="18288"/>
-                </a:cubicBezTo>
-                <a:cubicBezTo>
-                  <a:pt x="2014250" y="-10535"/>
-                  <a:pt x="1820317" y="33903"/>
-                  <a:pt x="1494130" y="18288"/>
-                </a:cubicBezTo>
-                <a:cubicBezTo>
-                  <a:pt x="1167943" y="2673"/>
-                  <a:pt x="948432" y="14868"/>
-                  <a:pt x="729691" y="18288"/>
-                </a:cubicBezTo>
-                <a:cubicBezTo>
-                  <a:pt x="510950" y="21708"/>
-                  <a:pt x="264032" y="24354"/>
-                  <a:pt x="0" y="18288"/>
-                </a:cubicBezTo>
-                <a:cubicBezTo>
-                  <a:pt x="189" y="14288"/>
-                  <a:pt x="-703" y="3747"/>
-                  <a:pt x="0" y="0"/>
-                </a:cubicBezTo>
-                <a:close/>
-              </a:path>
-            </a:pathLst>
-          </a:custGeom>
-          <a:solidFill>
-            <a:schemeClr val="accent2"/>
-          </a:solidFill>
-          <a:ln w="44450" cap="rnd">
-            <a:solidFill>
-              <a:schemeClr val="accent2"/>
-            </a:solidFill>
-            <a:round/>
-            <a:extLst>
-              <a:ext uri="{C807C97D-BFC1-408E-A445-0C87EB9F89A2}">
-                <ask:lineSketchStyleProps xmlns:ask="http://schemas.microsoft.com/office/drawing/2018/sketchyshapes" sd="2863741219">
-                  <a:prstGeom prst="rect">
-                    <a:avLst/>
-                  </a:prstGeom>
-                  <ask:type>
-                    <ask:lineSketchFreehand/>
-                  </ask:type>
-                </ask:lineSketchStyleProps>
-              </a:ext>
-            </a:extLst>
-          </a:ln>
-        </p:spPr>
-        <p:style>
-          <a:lnRef idx="2">
-            <a:schemeClr val="accent1">
-              <a:shade val="50000"/>
-            </a:schemeClr>
-          </a:lnRef>
-          <a:fillRef idx="1">
-            <a:schemeClr val="accent1"/>
-          </a:fillRef>
-          <a:effectRef idx="0">
-            <a:schemeClr val="accent1"/>
-          </a:effectRef>
-          <a:fontRef idx="minor">
-            <a:schemeClr val="lt1"/>
-          </a:fontRef>
-        </p:style>
-        <p:txBody>
-          <a:bodyPr rtlCol="0" anchor="ctr"/>
-          <a:lstStyle/>
-          <a:p>
-            <a:pPr algn="ctr"/>
-            <a:endParaRPr lang="en-US"/>
-          </a:p>
-        </p:txBody>
-      </p:sp>
-      <p:sp>
-        <p:nvSpPr>
-          <p:cNvPr id="17" name="TextBox 16">
-            <a:extLst>
-              <a:ext uri="{FF2B5EF4-FFF2-40B4-BE49-F238E27FC236}">
-                <a16:creationId xmlns:a16="http://schemas.microsoft.com/office/drawing/2014/main" id="{FCE6DDA1-03AF-438D-8D5F-DF1A14827C14}"/>
-              </a:ext>
-            </a:extLst>
-          </p:cNvPr>
-          <p:cNvSpPr txBox="1"/>
-          <p:nvPr/>
-        </p:nvSpPr>
-        <p:spPr>
-          <a:xfrm>
-            <a:off x="-92869" y="5383743"/>
-            <a:ext cx="8289131" cy="1354217"/>
-          </a:xfrm>
-          <a:prstGeom prst="rect">
-            <a:avLst/>
-          </a:prstGeom>
-          <a:noFill/>
-        </p:spPr>
-        <p:txBody>
-          <a:bodyPr wrap="square">
-            <a:spAutoFit/>
-          </a:bodyPr>
-          <a:lstStyle/>
-          <a:p>
-            <a:pPr algn="ctr" rtl="0">
-              <a:spcBef>
-                <a:spcPts val="1200"/>
-              </a:spcBef>
-              <a:spcAft>
-                <a:spcPts val="1200"/>
-              </a:spcAft>
-            </a:pPr>
-            <a:r>
-              <a:rPr lang="sv-SE" sz="2400" b="1" dirty="0">
-                <a:latin typeface="Tahoma" panose="020B0604030504040204" pitchFamily="34" charset="0"/>
-                <a:ea typeface="Tahoma" panose="020B0604030504040204" pitchFamily="34" charset="0"/>
-                <a:cs typeface="Tahoma" panose="020B0604030504040204" pitchFamily="34" charset="0"/>
-              </a:rPr>
-              <a:t>Elinor Avraham | Nofet Damri | Lidor Rubi</a:t>
-            </a:r>
-          </a:p>
-          <a:p>
-            <a:br>
-              <a:rPr lang="sv-SE" sz="2400" b="1" dirty="0">
-                <a:latin typeface="Tahoma" panose="020B0604030504040204" pitchFamily="34" charset="0"/>
-                <a:ea typeface="Tahoma" panose="020B0604030504040204" pitchFamily="34" charset="0"/>
-                <a:cs typeface="Tahoma" panose="020B0604030504040204" pitchFamily="34" charset="0"/>
-              </a:rPr>
-            </a:br>
-            <a:endParaRPr lang="en-IL" sz="2400" b="1" dirty="0">
-              <a:latin typeface="Tahoma" panose="020B0604030504040204" pitchFamily="34" charset="0"/>
-              <a:ea typeface="Tahoma" panose="020B0604030504040204" pitchFamily="34" charset="0"/>
-              <a:cs typeface="Tahoma" panose="020B0604030504040204" pitchFamily="34" charset="0"/>
-            </a:endParaRPr>
-          </a:p>
-        </p:txBody>
-      </p:sp>
-      <p:pic>
-        <p:nvPicPr>
-          <p:cNvPr id="13" name="Picture 12">
-            <a:extLst>
-              <a:ext uri="{FF2B5EF4-FFF2-40B4-BE49-F238E27FC236}">
-                <a16:creationId xmlns:a16="http://schemas.microsoft.com/office/drawing/2014/main" id="{48D68352-1B64-45F7-8E9B-4AE7E534EDCE}"/>
-              </a:ext>
-            </a:extLst>
-          </p:cNvPr>
-          <p:cNvPicPr>
-            <a:picLocks noChangeAspect="1"/>
-          </p:cNvPicPr>
-          <p:nvPr/>
-        </p:nvPicPr>
-        <p:blipFill>
-          <a:blip r:embed="rId2"/>
-          <a:stretch>
-            <a:fillRect/>
-          </a:stretch>
-        </p:blipFill>
-        <p:spPr>
-          <a:xfrm>
-            <a:off x="307848" y="3611246"/>
-            <a:ext cx="11077574" cy="297206"/>
-          </a:xfrm>
-          <a:prstGeom prst="rect">
-            <a:avLst/>
-          </a:prstGeom>
-        </p:spPr>
-      </p:pic>
-    </p:spTree>
-    <p:extLst>
-      <p:ext uri="{BB962C8B-B14F-4D97-AF65-F5344CB8AC3E}">
-        <p14:creationId xmlns:p14="http://schemas.microsoft.com/office/powerpoint/2010/main" val="3015787937"/>
-      </p:ext>
-    </p:extLst>
-  </p:cSld>
-  <p:clrMapOvr>
-    <a:masterClrMapping/>
-  </p:clrMapOvr>
-</p:sld>
-</file>
-
-<file path=ppt/slides/slide2.xml><?xml version="1.0" encoding="utf-8"?>
-<p:sld xmlns:a="http://schemas.openxmlformats.org/drawingml/2006/main" xmlns:r="http://schemas.openxmlformats.org/officeDocument/2006/relationships" xmlns:p="http://schemas.openxmlformats.org/presentationml/2006/main">
-  <p:cSld>
     <p:spTree>
       <p:nvGrpSpPr>
         <p:cNvPr id="1" name=""/>
@@ -4853,7 +4295,7 @@
 </p:sld>
 </file>
 
-<file path=ppt/slides/slide3.xml><?xml version="1.0" encoding="utf-8"?>
+<file path=ppt/slides/slide2.xml><?xml version="1.0" encoding="utf-8"?>
 <p:sld xmlns:a="http://schemas.openxmlformats.org/drawingml/2006/main" xmlns:r="http://schemas.openxmlformats.org/officeDocument/2006/relationships" xmlns:p="http://schemas.openxmlformats.org/presentationml/2006/main">
   <p:cSld>
     <p:bg>
@@ -5512,7 +4954,7 @@
 </p:sld>
 </file>
 
-<file path=ppt/slides/slide4.xml><?xml version="1.0" encoding="utf-8"?>
+<file path=ppt/slides/slide3.xml><?xml version="1.0" encoding="utf-8"?>
 <p:sld xmlns:a="http://schemas.openxmlformats.org/drawingml/2006/main" xmlns:r="http://schemas.openxmlformats.org/officeDocument/2006/relationships" xmlns:p="http://schemas.openxmlformats.org/presentationml/2006/main">
   <p:cSld>
     <p:spTree>
@@ -5634,7 +5076,7 @@
 </p:sld>
 </file>
 
-<file path=ppt/slides/slide5.xml><?xml version="1.0" encoding="utf-8"?>
+<file path=ppt/slides/slide4.xml><?xml version="1.0" encoding="utf-8"?>
 <p:sld xmlns:a="http://schemas.openxmlformats.org/drawingml/2006/main" xmlns:r="http://schemas.openxmlformats.org/officeDocument/2006/relationships" xmlns:p="http://schemas.openxmlformats.org/presentationml/2006/main">
   <p:cSld>
     <p:spTree>
@@ -5775,7 +5217,7 @@
 </p:sld>
 </file>
 
-<file path=ppt/slides/slide6.xml><?xml version="1.0" encoding="utf-8"?>
+<file path=ppt/slides/slide5.xml><?xml version="1.0" encoding="utf-8"?>
 <p:sld xmlns:a="http://schemas.openxmlformats.org/drawingml/2006/main" xmlns:r="http://schemas.openxmlformats.org/officeDocument/2006/relationships" xmlns:p="http://schemas.openxmlformats.org/presentationml/2006/main">
   <p:cSld>
     <p:spTree>
@@ -5896,7 +5338,7 @@
 </p:sld>
 </file>
 
-<file path=ppt/slides/slide7.xml><?xml version="1.0" encoding="utf-8"?>
+<file path=ppt/slides/slide6.xml><?xml version="1.0" encoding="utf-8"?>
 <p:sld xmlns:a="http://schemas.openxmlformats.org/drawingml/2006/main" xmlns:r="http://schemas.openxmlformats.org/officeDocument/2006/relationships" xmlns:p="http://schemas.openxmlformats.org/presentationml/2006/main">
   <p:cSld>
     <p:spTree>
@@ -6144,7 +5586,7 @@
 </p:sld>
 </file>
 
-<file path=ppt/slides/slide8.xml><?xml version="1.0" encoding="utf-8"?>
+<file path=ppt/slides/slide7.xml><?xml version="1.0" encoding="utf-8"?>
 <p:sld xmlns:a="http://schemas.openxmlformats.org/drawingml/2006/main" xmlns:r="http://schemas.openxmlformats.org/officeDocument/2006/relationships" xmlns:p="http://schemas.openxmlformats.org/presentationml/2006/main">
   <p:cSld>
     <p:bg>

--- a/Docs/Progress presentation 30.11.21.pptx
+++ b/Docs/Progress presentation 30.11.21.pptx
@@ -5,19 +5,20 @@
     <p:sldMasterId id="2147483648" r:id="rId1"/>
   </p:sldMasterIdLst>
   <p:notesMasterIdLst>
-    <p:notesMasterId r:id="rId9"/>
+    <p:notesMasterId r:id="rId10"/>
   </p:notesMasterIdLst>
   <p:handoutMasterIdLst>
-    <p:handoutMasterId r:id="rId10"/>
+    <p:handoutMasterId r:id="rId11"/>
   </p:handoutMasterIdLst>
   <p:sldIdLst>
     <p:sldId id="271" r:id="rId2"/>
     <p:sldId id="259" r:id="rId3"/>
-    <p:sldId id="265" r:id="rId4"/>
-    <p:sldId id="266" r:id="rId5"/>
-    <p:sldId id="268" r:id="rId6"/>
-    <p:sldId id="269" r:id="rId7"/>
-    <p:sldId id="270" r:id="rId8"/>
+    <p:sldId id="272" r:id="rId4"/>
+    <p:sldId id="265" r:id="rId5"/>
+    <p:sldId id="266" r:id="rId6"/>
+    <p:sldId id="268" r:id="rId7"/>
+    <p:sldId id="269" r:id="rId8"/>
+    <p:sldId id="270" r:id="rId9"/>
   </p:sldIdLst>
   <p:sldSz cx="12192000" cy="6858000"/>
   <p:notesSz cx="6858000" cy="9144000"/>
@@ -221,7 +222,7 @@
           <a:p>
             <a:fld id="{0D6D30F5-6F0E-4FF9-8A65-AC5EBEA1B4C4}" type="datetimeFigureOut">
               <a:rPr lang="en-IL" smtClean="0"/>
-              <a:t>29/11/2021</a:t>
+              <a:t>30/11/2021</a:t>
             </a:fld>
             <a:endParaRPr lang="en-IL"/>
           </a:p>
@@ -398,7 +399,7 @@
           <a:p>
             <a:fld id="{3E482D55-A863-42B4-8928-FC987F7C4305}" type="datetimeFigureOut">
               <a:rPr lang="en-IL" smtClean="0"/>
-              <a:t>29/11/2021</a:t>
+              <a:t>30/11/2021</a:t>
             </a:fld>
             <a:endParaRPr lang="en-IL"/>
           </a:p>
@@ -731,7 +732,7 @@
           <a:p>
             <a:fld id="{5272BBD6-653A-4D3C-908E-34CF3C604A1A}" type="slidenum">
               <a:rPr lang="en-IL" smtClean="0"/>
-              <a:t>6</a:t>
+              <a:t>7</a:t>
             </a:fld>
             <a:endParaRPr lang="en-IL"/>
           </a:p>
@@ -899,7 +900,7 @@
           <a:p>
             <a:fld id="{2E6FD118-387D-492C-91E4-CBFC65897E1B}" type="datetimeFigureOut">
               <a:rPr lang="en-IL" smtClean="0"/>
-              <a:t>29/11/2021</a:t>
+              <a:t>30/11/2021</a:t>
             </a:fld>
             <a:endParaRPr lang="en-IL"/>
           </a:p>
@@ -1099,7 +1100,7 @@
           <a:p>
             <a:fld id="{2E6FD118-387D-492C-91E4-CBFC65897E1B}" type="datetimeFigureOut">
               <a:rPr lang="en-IL" smtClean="0"/>
-              <a:t>29/11/2021</a:t>
+              <a:t>30/11/2021</a:t>
             </a:fld>
             <a:endParaRPr lang="en-IL"/>
           </a:p>
@@ -1309,7 +1310,7 @@
           <a:p>
             <a:fld id="{2E6FD118-387D-492C-91E4-CBFC65897E1B}" type="datetimeFigureOut">
               <a:rPr lang="en-IL" smtClean="0"/>
-              <a:t>29/11/2021</a:t>
+              <a:t>30/11/2021</a:t>
             </a:fld>
             <a:endParaRPr lang="en-IL"/>
           </a:p>
@@ -1509,7 +1510,7 @@
           <a:p>
             <a:fld id="{2E6FD118-387D-492C-91E4-CBFC65897E1B}" type="datetimeFigureOut">
               <a:rPr lang="en-IL" smtClean="0"/>
-              <a:t>29/11/2021</a:t>
+              <a:t>30/11/2021</a:t>
             </a:fld>
             <a:endParaRPr lang="en-IL"/>
           </a:p>
@@ -1785,7 +1786,7 @@
           <a:p>
             <a:fld id="{2E6FD118-387D-492C-91E4-CBFC65897E1B}" type="datetimeFigureOut">
               <a:rPr lang="en-IL" smtClean="0"/>
-              <a:t>29/11/2021</a:t>
+              <a:t>30/11/2021</a:t>
             </a:fld>
             <a:endParaRPr lang="en-IL"/>
           </a:p>
@@ -2053,7 +2054,7 @@
           <a:p>
             <a:fld id="{2E6FD118-387D-492C-91E4-CBFC65897E1B}" type="datetimeFigureOut">
               <a:rPr lang="en-IL" smtClean="0"/>
-              <a:t>29/11/2021</a:t>
+              <a:t>30/11/2021</a:t>
             </a:fld>
             <a:endParaRPr lang="en-IL"/>
           </a:p>
@@ -2468,7 +2469,7 @@
           <a:p>
             <a:fld id="{2E6FD118-387D-492C-91E4-CBFC65897E1B}" type="datetimeFigureOut">
               <a:rPr lang="en-IL" smtClean="0"/>
-              <a:t>29/11/2021</a:t>
+              <a:t>30/11/2021</a:t>
             </a:fld>
             <a:endParaRPr lang="en-IL"/>
           </a:p>
@@ -2610,7 +2611,7 @@
           <a:p>
             <a:fld id="{2E6FD118-387D-492C-91E4-CBFC65897E1B}" type="datetimeFigureOut">
               <a:rPr lang="en-IL" smtClean="0"/>
-              <a:t>29/11/2021</a:t>
+              <a:t>30/11/2021</a:t>
             </a:fld>
             <a:endParaRPr lang="en-IL"/>
           </a:p>
@@ -2723,7 +2724,7 @@
           <a:p>
             <a:fld id="{2E6FD118-387D-492C-91E4-CBFC65897E1B}" type="datetimeFigureOut">
               <a:rPr lang="en-IL" smtClean="0"/>
-              <a:t>29/11/2021</a:t>
+              <a:t>30/11/2021</a:t>
             </a:fld>
             <a:endParaRPr lang="en-IL"/>
           </a:p>
@@ -3036,7 +3037,7 @@
           <a:p>
             <a:fld id="{2E6FD118-387D-492C-91E4-CBFC65897E1B}" type="datetimeFigureOut">
               <a:rPr lang="en-IL" smtClean="0"/>
-              <a:t>29/11/2021</a:t>
+              <a:t>30/11/2021</a:t>
             </a:fld>
             <a:endParaRPr lang="en-IL"/>
           </a:p>
@@ -3325,7 +3326,7 @@
           <a:p>
             <a:fld id="{2E6FD118-387D-492C-91E4-CBFC65897E1B}" type="datetimeFigureOut">
               <a:rPr lang="en-IL" smtClean="0"/>
-              <a:t>29/11/2021</a:t>
+              <a:t>30/11/2021</a:t>
             </a:fld>
             <a:endParaRPr lang="en-IL"/>
           </a:p>
@@ -3568,7 +3569,7 @@
           <a:p>
             <a:fld id="{2E6FD118-387D-492C-91E4-CBFC65897E1B}" type="datetimeFigureOut">
               <a:rPr lang="en-IL" smtClean="0"/>
-              <a:t>29/11/2021</a:t>
+              <a:t>30/11/2021</a:t>
             </a:fld>
             <a:endParaRPr lang="en-IL"/>
           </a:p>
@@ -5006,6 +5007,215 @@
                 <a:ea typeface="Tahoma" panose="020B0604030504040204" pitchFamily="34" charset="0"/>
                 <a:cs typeface="Tahoma" panose="020B0604030504040204" pitchFamily="34" charset="0"/>
               </a:rPr>
+              <a:t>Examples For Advertisements</a:t>
+            </a:r>
+            <a:endParaRPr lang="en-IL" sz="2800" b="1" dirty="0">
+              <a:latin typeface="Tahoma" panose="020B0604030504040204" pitchFamily="34" charset="0"/>
+              <a:ea typeface="Tahoma" panose="020B0604030504040204" pitchFamily="34" charset="0"/>
+              <a:cs typeface="Tahoma" panose="020B0604030504040204" pitchFamily="34" charset="0"/>
+            </a:endParaRPr>
+          </a:p>
+        </p:txBody>
+      </p:sp>
+      <p:pic>
+        <p:nvPicPr>
+          <p:cNvPr id="3" name="Picture 2">
+            <a:extLst>
+              <a:ext uri="{FF2B5EF4-FFF2-40B4-BE49-F238E27FC236}">
+                <a16:creationId xmlns:a16="http://schemas.microsoft.com/office/drawing/2014/main" id="{0D13D86B-C022-4A07-888F-E354AF464E2A}"/>
+              </a:ext>
+            </a:extLst>
+          </p:cNvPr>
+          <p:cNvPicPr>
+            <a:picLocks noChangeAspect="1"/>
+          </p:cNvPicPr>
+          <p:nvPr/>
+        </p:nvPicPr>
+        <p:blipFill>
+          <a:blip r:embed="rId2"/>
+          <a:stretch>
+            <a:fillRect/>
+          </a:stretch>
+        </p:blipFill>
+        <p:spPr>
+          <a:xfrm>
+            <a:off x="2521910" y="1228471"/>
+            <a:ext cx="7148179" cy="5464013"/>
+          </a:xfrm>
+          <a:prstGeom prst="rect">
+            <a:avLst/>
+          </a:prstGeom>
+        </p:spPr>
+      </p:pic>
+      <p:cxnSp>
+        <p:nvCxnSpPr>
+          <p:cNvPr id="6" name="Straight Arrow Connector 5">
+            <a:extLst>
+              <a:ext uri="{FF2B5EF4-FFF2-40B4-BE49-F238E27FC236}">
+                <a16:creationId xmlns:a16="http://schemas.microsoft.com/office/drawing/2014/main" id="{027C45B0-3125-45B1-9102-2B184DCA8A6E}"/>
+              </a:ext>
+            </a:extLst>
+          </p:cNvPr>
+          <p:cNvCxnSpPr>
+            <a:cxnSpLocks/>
+          </p:cNvCxnSpPr>
+          <p:nvPr/>
+        </p:nvCxnSpPr>
+        <p:spPr>
+          <a:xfrm flipH="1">
+            <a:off x="9568873" y="4488873"/>
+            <a:ext cx="897082" cy="434109"/>
+          </a:xfrm>
+          <a:prstGeom prst="straightConnector1">
+            <a:avLst/>
+          </a:prstGeom>
+          <a:ln w="38100">
+            <a:solidFill>
+              <a:srgbClr val="FF0000"/>
+            </a:solidFill>
+            <a:tailEnd type="triangle"/>
+          </a:ln>
+        </p:spPr>
+        <p:style>
+          <a:lnRef idx="3">
+            <a:schemeClr val="dk1"/>
+          </a:lnRef>
+          <a:fillRef idx="0">
+            <a:schemeClr val="dk1"/>
+          </a:fillRef>
+          <a:effectRef idx="2">
+            <a:schemeClr val="dk1"/>
+          </a:effectRef>
+          <a:fontRef idx="minor">
+            <a:schemeClr val="tx1"/>
+          </a:fontRef>
+        </p:style>
+      </p:cxnSp>
+      <p:sp>
+        <p:nvSpPr>
+          <p:cNvPr id="11" name="Rectangle: Rounded Corners 10">
+            <a:extLst>
+              <a:ext uri="{FF2B5EF4-FFF2-40B4-BE49-F238E27FC236}">
+                <a16:creationId xmlns:a16="http://schemas.microsoft.com/office/drawing/2014/main" id="{BCBF3C8A-9977-4E84-88F2-1B0CDAB19512}"/>
+              </a:ext>
+            </a:extLst>
+          </p:cNvPr>
+          <p:cNvSpPr/>
+          <p:nvPr/>
+        </p:nvSpPr>
+        <p:spPr>
+          <a:xfrm>
+            <a:off x="10465955" y="3849497"/>
+            <a:ext cx="1485900" cy="1147375"/>
+          </a:xfrm>
+          <a:prstGeom prst="roundRect">
+            <a:avLst/>
+          </a:prstGeom>
+        </p:spPr>
+        <p:style>
+          <a:lnRef idx="2">
+            <a:schemeClr val="accent2"/>
+          </a:lnRef>
+          <a:fillRef idx="1">
+            <a:schemeClr val="lt1"/>
+          </a:fillRef>
+          <a:effectRef idx="0">
+            <a:schemeClr val="accent2"/>
+          </a:effectRef>
+          <a:fontRef idx="minor">
+            <a:schemeClr val="dk1"/>
+          </a:fontRef>
+        </p:style>
+        <p:txBody>
+          <a:bodyPr rtlCol="0" anchor="ctr"/>
+          <a:lstStyle/>
+          <a:p>
+            <a:pPr>
+              <a:lnSpc>
+                <a:spcPct val="150000"/>
+              </a:lnSpc>
+            </a:pPr>
+            <a:r>
+              <a:rPr lang="en-US" sz="1400" b="1" dirty="0">
+                <a:latin typeface="Tahoma" panose="020B0604030504040204" pitchFamily="34" charset="0"/>
+                <a:ea typeface="Tahoma" panose="020B0604030504040204" pitchFamily="34" charset="0"/>
+                <a:cs typeface="Tahoma" panose="020B0604030504040204" pitchFamily="34" charset="0"/>
+              </a:rPr>
+              <a:t>Not a good example for a photo</a:t>
+            </a:r>
+            <a:endParaRPr lang="en-IL" sz="1400" b="1" dirty="0">
+              <a:latin typeface="Tahoma" panose="020B0604030504040204" pitchFamily="34" charset="0"/>
+              <a:ea typeface="Tahoma" panose="020B0604030504040204" pitchFamily="34" charset="0"/>
+              <a:cs typeface="Tahoma" panose="020B0604030504040204" pitchFamily="34" charset="0"/>
+            </a:endParaRPr>
+          </a:p>
+        </p:txBody>
+      </p:sp>
+    </p:spTree>
+    <p:extLst>
+      <p:ext uri="{BB962C8B-B14F-4D97-AF65-F5344CB8AC3E}">
+        <p14:creationId xmlns:p14="http://schemas.microsoft.com/office/powerpoint/2010/main" val="1916070763"/>
+      </p:ext>
+    </p:extLst>
+  </p:cSld>
+  <p:clrMapOvr>
+    <a:masterClrMapping/>
+  </p:clrMapOvr>
+</p:sld>
+</file>
+
+<file path=ppt/slides/slide4.xml><?xml version="1.0" encoding="utf-8"?>
+<p:sld xmlns:a="http://schemas.openxmlformats.org/drawingml/2006/main" xmlns:r="http://schemas.openxmlformats.org/officeDocument/2006/relationships" xmlns:p="http://schemas.openxmlformats.org/presentationml/2006/main">
+  <p:cSld>
+    <p:spTree>
+      <p:nvGrpSpPr>
+        <p:cNvPr id="1" name=""/>
+        <p:cNvGrpSpPr/>
+        <p:nvPr/>
+      </p:nvGrpSpPr>
+      <p:grpSpPr>
+        <a:xfrm>
+          <a:off x="0" y="0"/>
+          <a:ext cx="0" cy="0"/>
+          <a:chOff x="0" y="0"/>
+          <a:chExt cx="0" cy="0"/>
+        </a:xfrm>
+      </p:grpSpPr>
+      <p:sp>
+        <p:nvSpPr>
+          <p:cNvPr id="4" name="Title 1">
+            <a:extLst>
+              <a:ext uri="{FF2B5EF4-FFF2-40B4-BE49-F238E27FC236}">
+                <a16:creationId xmlns:a16="http://schemas.microsoft.com/office/drawing/2014/main" id="{862F73E2-F75B-4A56-B0A0-C53D9390B40B}"/>
+              </a:ext>
+            </a:extLst>
+          </p:cNvPr>
+          <p:cNvSpPr>
+            <a:spLocks noGrp="1"/>
+          </p:cNvSpPr>
+          <p:nvPr>
+            <p:ph type="title"/>
+          </p:nvPr>
+        </p:nvSpPr>
+        <p:spPr>
+          <a:xfrm>
+            <a:off x="838200" y="165516"/>
+            <a:ext cx="10515600" cy="1325563"/>
+          </a:xfrm>
+        </p:spPr>
+        <p:txBody>
+          <a:bodyPr>
+            <a:normAutofit/>
+          </a:bodyPr>
+          <a:lstStyle/>
+          <a:p>
+            <a:pPr algn="ctr"/>
+            <a:r>
+              <a:rPr lang="en-US" sz="2800" b="1" dirty="0">
+                <a:latin typeface="Tahoma" panose="020B0604030504040204" pitchFamily="34" charset="0"/>
+                <a:ea typeface="Tahoma" panose="020B0604030504040204" pitchFamily="34" charset="0"/>
+                <a:cs typeface="Tahoma" panose="020B0604030504040204" pitchFamily="34" charset="0"/>
+              </a:rPr>
               <a:t>First Scenario: Extracting a Landing Page</a:t>
             </a:r>
             <a:endParaRPr lang="en-IL" sz="2800" b="1" dirty="0">
@@ -5076,7 +5286,7 @@
 </p:sld>
 </file>
 
-<file path=ppt/slides/slide4.xml><?xml version="1.0" encoding="utf-8"?>
+<file path=ppt/slides/slide5.xml><?xml version="1.0" encoding="utf-8"?>
 <p:sld xmlns:a="http://schemas.openxmlformats.org/drawingml/2006/main" xmlns:r="http://schemas.openxmlformats.org/officeDocument/2006/relationships" xmlns:p="http://schemas.openxmlformats.org/presentationml/2006/main">
   <p:cSld>
     <p:spTree>
@@ -5217,7 +5427,7 @@
 </p:sld>
 </file>
 
-<file path=ppt/slides/slide5.xml><?xml version="1.0" encoding="utf-8"?>
+<file path=ppt/slides/slide6.xml><?xml version="1.0" encoding="utf-8"?>
 <p:sld xmlns:a="http://schemas.openxmlformats.org/drawingml/2006/main" xmlns:r="http://schemas.openxmlformats.org/officeDocument/2006/relationships" xmlns:p="http://schemas.openxmlformats.org/presentationml/2006/main">
   <p:cSld>
     <p:spTree>
@@ -5338,7 +5548,7 @@
 </p:sld>
 </file>
 
-<file path=ppt/slides/slide6.xml><?xml version="1.0" encoding="utf-8"?>
+<file path=ppt/slides/slide7.xml><?xml version="1.0" encoding="utf-8"?>
 <p:sld xmlns:a="http://schemas.openxmlformats.org/drawingml/2006/main" xmlns:r="http://schemas.openxmlformats.org/officeDocument/2006/relationships" xmlns:p="http://schemas.openxmlformats.org/presentationml/2006/main">
   <p:cSld>
     <p:spTree>
@@ -5586,7 +5796,7 @@
 </p:sld>
 </file>
 
-<file path=ppt/slides/slide7.xml><?xml version="1.0" encoding="utf-8"?>
+<file path=ppt/slides/slide8.xml><?xml version="1.0" encoding="utf-8"?>
 <p:sld xmlns:a="http://schemas.openxmlformats.org/drawingml/2006/main" xmlns:r="http://schemas.openxmlformats.org/officeDocument/2006/relationships" xmlns:p="http://schemas.openxmlformats.org/presentationml/2006/main">
   <p:cSld>
     <p:bg>

--- a/Docs/Progress presentation 30.11.21.pptx
+++ b/Docs/Progress presentation 30.11.21.pptx
@@ -4160,8 +4160,8 @@
         </p:nvSpPr>
         <p:spPr>
           <a:xfrm>
-            <a:off x="1951435" y="5421843"/>
-            <a:ext cx="8289131" cy="1354217"/>
+            <a:off x="1951435" y="5320246"/>
+            <a:ext cx="8289131" cy="2031325"/>
           </a:xfrm>
           <a:prstGeom prst="rect">
             <a:avLst/>
@@ -4173,6 +4173,53 @@
             <a:spAutoFit/>
           </a:bodyPr>
           <a:lstStyle/>
+          <a:p>
+            <a:pPr algn="ctr" rtl="0">
+              <a:spcBef>
+                <a:spcPts val="1200"/>
+              </a:spcBef>
+              <a:spcAft>
+                <a:spcPts val="1200"/>
+              </a:spcAft>
+            </a:pPr>
+            <a:r>
+              <a:rPr lang="en-US" sz="2400" b="1" dirty="0">
+                <a:latin typeface="Tahoma" panose="020B0604030504040204" pitchFamily="34" charset="0"/>
+                <a:ea typeface="Tahoma" panose="020B0604030504040204" pitchFamily="34" charset="0"/>
+                <a:cs typeface="Tahoma" panose="020B0604030504040204" pitchFamily="34" charset="0"/>
+              </a:rPr>
+              <a:t>Moderators: Prof. Kobi Gal, </a:t>
+            </a:r>
+            <a:r>
+              <a:rPr lang="en-US" sz="2400" b="1" dirty="0" err="1">
+                <a:latin typeface="Tahoma" panose="020B0604030504040204" pitchFamily="34" charset="0"/>
+                <a:ea typeface="Tahoma" panose="020B0604030504040204" pitchFamily="34" charset="0"/>
+                <a:cs typeface="Tahoma" panose="020B0604030504040204" pitchFamily="34" charset="0"/>
+              </a:rPr>
+              <a:t>Yakir</a:t>
+            </a:r>
+            <a:r>
+              <a:rPr lang="en-US" sz="2400" b="1" dirty="0">
+                <a:latin typeface="Tahoma" panose="020B0604030504040204" pitchFamily="34" charset="0"/>
+                <a:ea typeface="Tahoma" panose="020B0604030504040204" pitchFamily="34" charset="0"/>
+                <a:cs typeface="Tahoma" panose="020B0604030504040204" pitchFamily="34" charset="0"/>
+              </a:rPr>
+              <a:t> Ben-</a:t>
+            </a:r>
+            <a:r>
+              <a:rPr lang="en-US" sz="2400" b="1" dirty="0" err="1">
+                <a:latin typeface="Tahoma" panose="020B0604030504040204" pitchFamily="34" charset="0"/>
+                <a:ea typeface="Tahoma" panose="020B0604030504040204" pitchFamily="34" charset="0"/>
+                <a:cs typeface="Tahoma" panose="020B0604030504040204" pitchFamily="34" charset="0"/>
+              </a:rPr>
+              <a:t>Aliz</a:t>
+            </a:r>
+            <a:endParaRPr lang="sv-SE" sz="2400" b="1" dirty="0">
+              <a:latin typeface="Tahoma" panose="020B0604030504040204" pitchFamily="34" charset="0"/>
+              <a:ea typeface="Tahoma" panose="020B0604030504040204" pitchFamily="34" charset="0"/>
+              <a:cs typeface="Tahoma" panose="020B0604030504040204" pitchFamily="34" charset="0"/>
+            </a:endParaRPr>
+          </a:p>
           <a:p>
             <a:pPr algn="ctr" rtl="0">
               <a:spcBef>
@@ -4229,7 +4276,7 @@
         </p:blipFill>
         <p:spPr>
           <a:xfrm>
-            <a:off x="490538" y="4887596"/>
+            <a:off x="490538" y="4813708"/>
             <a:ext cx="11077574" cy="297206"/>
           </a:xfrm>
           <a:prstGeom prst="rect">
